--- a/Weekly Updates/Week 5.pptx
+++ b/Weekly Updates/Week 5.pptx
@@ -186,8 +186,8 @@
 <pc:chgInfo xmlns:a="http://schemas.openxmlformats.org/drawingml/2006/main" xmlns:r="http://schemas.openxmlformats.org/officeDocument/2006/relationships" xmlns:ac="http://schemas.microsoft.com/office/drawing/2013/main/command" xmlns:pc="http://schemas.microsoft.com/office/powerpoint/2013/main/command">
   <pc:docChgLst>
     <pc:chgData name="Qinlin Gu" userId="fe9bce0e-efb5-4753-b86a-c33ce0aa4cc0" providerId="ADAL" clId="{0192F238-D313-418B-A44A-2B3BC4565695}"/>
-    <pc:docChg chg="delSld modSld modSection">
-      <pc:chgData name="Qinlin Gu" userId="fe9bce0e-efb5-4753-b86a-c33ce0aa4cc0" providerId="ADAL" clId="{0192F238-D313-418B-A44A-2B3BC4565695}" dt="2022-03-27T06:36:17.636" v="11" actId="2696"/>
+    <pc:docChg chg="undo custSel delSld modSld modSection">
+      <pc:chgData name="Qinlin Gu" userId="fe9bce0e-efb5-4753-b86a-c33ce0aa4cc0" providerId="ADAL" clId="{0192F238-D313-418B-A44A-2B3BC4565695}" dt="2022-03-27T06:44:36.934" v="287" actId="14100"/>
       <pc:docMkLst>
         <pc:docMk/>
       </pc:docMkLst>
@@ -199,11 +199,19 @@
         </pc:sldMkLst>
       </pc:sldChg>
       <pc:sldChg chg="modSp mod">
-        <pc:chgData name="Qinlin Gu" userId="fe9bce0e-efb5-4753-b86a-c33ce0aa4cc0" providerId="ADAL" clId="{0192F238-D313-418B-A44A-2B3BC4565695}" dt="2022-03-27T06:35:58.322" v="8" actId="20577"/>
+        <pc:chgData name="Qinlin Gu" userId="fe9bce0e-efb5-4753-b86a-c33ce0aa4cc0" providerId="ADAL" clId="{0192F238-D313-418B-A44A-2B3BC4565695}" dt="2022-03-27T06:38:06.738" v="22" actId="20577"/>
         <pc:sldMkLst>
           <pc:docMk/>
           <pc:sldMk cId="2196569219" sldId="312"/>
         </pc:sldMkLst>
+        <pc:spChg chg="mod">
+          <ac:chgData name="Qinlin Gu" userId="fe9bce0e-efb5-4753-b86a-c33ce0aa4cc0" providerId="ADAL" clId="{0192F238-D313-418B-A44A-2B3BC4565695}" dt="2022-03-27T06:38:06.738" v="22" actId="20577"/>
+          <ac:spMkLst>
+            <pc:docMk/>
+            <pc:sldMk cId="2196569219" sldId="312"/>
+            <ac:spMk id="2" creationId="{64E95A9A-19BB-234B-B0E4-7A37674E65EE}"/>
+          </ac:spMkLst>
+        </pc:spChg>
         <pc:spChg chg="mod">
           <ac:chgData name="Qinlin Gu" userId="fe9bce0e-efb5-4753-b86a-c33ce0aa4cc0" providerId="ADAL" clId="{0192F238-D313-418B-A44A-2B3BC4565695}" dt="2022-03-27T06:35:58.322" v="8" actId="20577"/>
           <ac:spMkLst>
@@ -212,6 +220,37 @@
             <ac:spMk id="3" creationId="{E63350DD-FC46-AA4B-90A5-CADFEC4C0685}"/>
           </ac:spMkLst>
         </pc:spChg>
+      </pc:sldChg>
+      <pc:sldChg chg="modSp mod">
+        <pc:chgData name="Qinlin Gu" userId="fe9bce0e-efb5-4753-b86a-c33ce0aa4cc0" providerId="ADAL" clId="{0192F238-D313-418B-A44A-2B3BC4565695}" dt="2022-03-27T06:44:36.934" v="287" actId="14100"/>
+        <pc:sldMkLst>
+          <pc:docMk/>
+          <pc:sldMk cId="3311122397" sldId="314"/>
+        </pc:sldMkLst>
+        <pc:spChg chg="mod">
+          <ac:chgData name="Qinlin Gu" userId="fe9bce0e-efb5-4753-b86a-c33ce0aa4cc0" providerId="ADAL" clId="{0192F238-D313-418B-A44A-2B3BC4565695}" dt="2022-03-27T06:44:36.934" v="287" actId="14100"/>
+          <ac:spMkLst>
+            <pc:docMk/>
+            <pc:sldMk cId="3311122397" sldId="314"/>
+            <ac:spMk id="9" creationId="{A2ADCF7C-1D56-46C0-AA47-22DB2F49BF52}"/>
+          </ac:spMkLst>
+        </pc:spChg>
+        <pc:spChg chg="mod">
+          <ac:chgData name="Qinlin Gu" userId="fe9bce0e-efb5-4753-b86a-c33ce0aa4cc0" providerId="ADAL" clId="{0192F238-D313-418B-A44A-2B3BC4565695}" dt="2022-03-27T06:44:30.207" v="286" actId="20577"/>
+          <ac:spMkLst>
+            <pc:docMk/>
+            <pc:sldMk cId="3311122397" sldId="314"/>
+            <ac:spMk id="10" creationId="{0063FAC6-1059-490E-9D0D-3CEF59DD566B}"/>
+          </ac:spMkLst>
+        </pc:spChg>
+        <pc:graphicFrameChg chg="mod modGraphic">
+          <ac:chgData name="Qinlin Gu" userId="fe9bce0e-efb5-4753-b86a-c33ce0aa4cc0" providerId="ADAL" clId="{0192F238-D313-418B-A44A-2B3BC4565695}" dt="2022-03-27T06:43:10.215" v="242" actId="20577"/>
+          <ac:graphicFrameMkLst>
+            <pc:docMk/>
+            <pc:sldMk cId="3311122397" sldId="314"/>
+            <ac:graphicFrameMk id="8" creationId="{3A87D348-55EA-4938-B716-4176C77A2C27}"/>
+          </ac:graphicFrameMkLst>
+        </pc:graphicFrameChg>
       </pc:sldChg>
       <pc:sldChg chg="del">
         <pc:chgData name="Qinlin Gu" userId="fe9bce0e-efb5-4753-b86a-c33ce0aa4cc0" providerId="ADAL" clId="{0192F238-D313-418B-A44A-2B3BC4565695}" dt="2022-03-27T06:36:04.990" v="9" actId="2696"/>
@@ -10139,7 +10178,7 @@
         </p:spPr>
         <p:txBody>
           <a:bodyPr wrap="square" anchor="t">
-            <a:normAutofit fontScale="90000"/>
+            <a:normAutofit/>
           </a:bodyPr>
           <a:lstStyle/>
           <a:p>
@@ -10149,31 +10188,7 @@
             </a:r>
             <a:r>
               <a:rPr lang="en-US" sz="1600" dirty="0"/>
-              <a:t>(</a:t>
-            </a:r>
-            <a:r>
-              <a:rPr lang="en-US" sz="1600" dirty="0" err="1"/>
-              <a:t>BrainXX</a:t>
-            </a:r>
-            <a:r>
-              <a:rPr lang="en-US" sz="1600" dirty="0"/>
-              <a:t> / </a:t>
-            </a:r>
-            <a:r>
-              <a:rPr lang="en-US" sz="1600" dirty="0" err="1"/>
-              <a:t>MarineXX</a:t>
-            </a:r>
-            <a:r>
-              <a:rPr lang="en-US" sz="1600" dirty="0"/>
-              <a:t> / COVIDXX / </a:t>
-            </a:r>
-            <a:r>
-              <a:rPr lang="en-US" sz="1600" dirty="0" err="1"/>
-              <a:t>HealthXX</a:t>
-            </a:r>
-            <a:r>
-              <a:rPr lang="en-US" sz="1600" dirty="0"/>
-              <a:t>)</a:t>
+              <a:t>(KidneyA1)</a:t>
             </a:r>
             <a:endParaRPr lang="en-US" dirty="0"/>
           </a:p>
@@ -10320,7 +10335,7 @@
           <p:nvPr>
             <p:extLst>
               <p:ext uri="{D42A27DB-BD31-4B8C-83A1-F6EECF244321}">
-                <p14:modId xmlns:p14="http://schemas.microsoft.com/office/powerpoint/2010/main" val="1265988804"/>
+                <p14:modId xmlns:p14="http://schemas.microsoft.com/office/powerpoint/2010/main" val="3087665733"/>
               </p:ext>
             </p:extLst>
           </p:nvPr>
@@ -10465,7 +10480,51 @@
                     <a:bodyPr/>
                     <a:lstStyle/>
                     <a:p>
-                      <a:pPr>
+                      <a:pPr algn="ctr">
+                        <a:lnSpc>
+                          <a:spcPct val="107000"/>
+                        </a:lnSpc>
+                      </a:pPr>
+                      <a:r>
+                        <a:rPr lang="en-AU" sz="1000" dirty="0">
+                          <a:effectLst/>
+                          <a:latin typeface="Calibri" panose="020F0502020204030204" pitchFamily="34" charset="0"/>
+                          <a:cs typeface="Times New Roman" panose="02020603050405020304" pitchFamily="18" charset="0"/>
+                        </a:rPr>
+                        <a:t>Communication Platform</a:t>
+                      </a:r>
+                    </a:p>
+                  </a:txBody>
+                  <a:tcPr marL="81331" marR="81331" marT="0" marB="0" anchor="ctr"/>
+                </a:tc>
+                <a:tc>
+                  <a:txBody>
+                    <a:bodyPr/>
+                    <a:lstStyle/>
+                    <a:p>
+                      <a:pPr algn="ctr">
+                        <a:lnSpc>
+                          <a:spcPct val="107000"/>
+                        </a:lnSpc>
+                      </a:pPr>
+                      <a:r>
+                        <a:rPr lang="en-AU" sz="1000" dirty="0">
+                          <a:effectLst/>
+                          <a:latin typeface="Calibri" panose="020F0502020204030204" pitchFamily="34" charset="0"/>
+                          <a:cs typeface="Times New Roman" panose="02020603050405020304" pitchFamily="18" charset="0"/>
+                        </a:rPr>
+                        <a:t>WeChat</a:t>
+                      </a:r>
+                    </a:p>
+                  </a:txBody>
+                  <a:tcPr marL="81331" marR="81331" marT="0" marB="0" anchor="ctr"/>
+                </a:tc>
+                <a:tc>
+                  <a:txBody>
+                    <a:bodyPr/>
+                    <a:lstStyle/>
+                    <a:p>
+                      <a:pPr algn="ctr">
                         <a:lnSpc>
                           <a:spcPct val="107000"/>
                         </a:lnSpc>
@@ -10477,45 +10536,7 @@
                       </a:endParaRPr>
                     </a:p>
                   </a:txBody>
-                  <a:tcPr marL="81331" marR="81331" marT="0" marB="0" anchor="b"/>
-                </a:tc>
-                <a:tc>
-                  <a:txBody>
-                    <a:bodyPr/>
-                    <a:lstStyle/>
-                    <a:p>
-                      <a:pPr>
-                        <a:lnSpc>
-                          <a:spcPct val="107000"/>
-                        </a:lnSpc>
-                      </a:pPr>
-                      <a:endParaRPr lang="en-AU" sz="1000" dirty="0">
-                        <a:effectLst/>
-                        <a:latin typeface="Calibri" panose="020F0502020204030204" pitchFamily="34" charset="0"/>
-                        <a:cs typeface="Times New Roman" panose="02020603050405020304" pitchFamily="18" charset="0"/>
-                      </a:endParaRPr>
-                    </a:p>
-                  </a:txBody>
-                  <a:tcPr marL="81331" marR="81331" marT="0" marB="0" anchor="b"/>
-                </a:tc>
-                <a:tc>
-                  <a:txBody>
-                    <a:bodyPr/>
-                    <a:lstStyle/>
-                    <a:p>
-                      <a:pPr>
-                        <a:lnSpc>
-                          <a:spcPct val="107000"/>
-                        </a:lnSpc>
-                      </a:pPr>
-                      <a:endParaRPr lang="en-AU" sz="1000" dirty="0">
-                        <a:effectLst/>
-                        <a:latin typeface="Calibri" panose="020F0502020204030204" pitchFamily="34" charset="0"/>
-                        <a:cs typeface="Times New Roman" panose="02020603050405020304" pitchFamily="18" charset="0"/>
-                      </a:endParaRPr>
-                    </a:p>
-                  </a:txBody>
-                  <a:tcPr marL="81331" marR="81331" marT="0" marB="0" anchor="b"/>
+                  <a:tcPr marL="81331" marR="81331" marT="0" marB="0" anchor="ctr"/>
                 </a:tc>
                 <a:extLst>
                   <a:ext uri="{0D108BD9-81ED-4DB2-BD59-A6C34878D82A}">
@@ -10529,57 +10550,74 @@
                     <a:bodyPr/>
                     <a:lstStyle/>
                     <a:p>
-                      <a:pPr>
+                      <a:pPr algn="ctr">
                         <a:lnSpc>
                           <a:spcPct val="107000"/>
                         </a:lnSpc>
                       </a:pPr>
-                      <a:endParaRPr lang="en-AU" sz="1000">
+                      <a:r>
+                        <a:rPr lang="en-US" sz="1000" dirty="0">
+                          <a:effectLst/>
+                          <a:latin typeface="Calibri" panose="020F0502020204030204" pitchFamily="34" charset="0"/>
+                          <a:cs typeface="Times New Roman" panose="02020603050405020304" pitchFamily="18" charset="0"/>
+                        </a:rPr>
+                        <a:t>Collaboration Platform</a:t>
+                      </a:r>
+                      <a:endParaRPr lang="en-AU" sz="1000" dirty="0">
                         <a:effectLst/>
                         <a:latin typeface="Calibri" panose="020F0502020204030204" pitchFamily="34" charset="0"/>
                         <a:cs typeface="Times New Roman" panose="02020603050405020304" pitchFamily="18" charset="0"/>
                       </a:endParaRPr>
                     </a:p>
                   </a:txBody>
-                  <a:tcPr marL="81331" marR="81331" marT="0" marB="0" anchor="b"/>
+                  <a:tcPr marL="81331" marR="81331" marT="0" marB="0" anchor="ctr"/>
                 </a:tc>
                 <a:tc>
                   <a:txBody>
                     <a:bodyPr/>
                     <a:lstStyle/>
                     <a:p>
-                      <a:pPr>
+                      <a:pPr algn="ctr">
                         <a:lnSpc>
                           <a:spcPct val="107000"/>
                         </a:lnSpc>
                       </a:pPr>
-                      <a:endParaRPr lang="en-AU" sz="1000">
+                      <a:r>
+                        <a:rPr lang="en-AU" sz="1000" dirty="0">
+                          <a:effectLst/>
+                          <a:latin typeface="Calibri" panose="020F0502020204030204" pitchFamily="34" charset="0"/>
+                          <a:cs typeface="Times New Roman" panose="02020603050405020304" pitchFamily="18" charset="0"/>
+                          <a:hlinkClick r:id="rId2"/>
+                        </a:rPr>
+                        <a:t>Github</a:t>
+                      </a:r>
+                      <a:endParaRPr lang="en-AU" sz="1000" dirty="0">
                         <a:effectLst/>
                         <a:latin typeface="Calibri" panose="020F0502020204030204" pitchFamily="34" charset="0"/>
                         <a:cs typeface="Times New Roman" panose="02020603050405020304" pitchFamily="18" charset="0"/>
                       </a:endParaRPr>
                     </a:p>
                   </a:txBody>
-                  <a:tcPr marL="81331" marR="81331" marT="0" marB="0" anchor="b"/>
+                  <a:tcPr marL="81331" marR="81331" marT="0" marB="0" anchor="ctr"/>
                 </a:tc>
                 <a:tc>
                   <a:txBody>
                     <a:bodyPr/>
                     <a:lstStyle/>
                     <a:p>
-                      <a:pPr>
+                      <a:pPr algn="ctr">
                         <a:lnSpc>
                           <a:spcPct val="107000"/>
                         </a:lnSpc>
                       </a:pPr>
-                      <a:endParaRPr lang="en-AU" sz="1000">
+                      <a:endParaRPr lang="en-AU" sz="1000" dirty="0">
                         <a:effectLst/>
                         <a:latin typeface="Calibri" panose="020F0502020204030204" pitchFamily="34" charset="0"/>
                         <a:cs typeface="Times New Roman" panose="02020603050405020304" pitchFamily="18" charset="0"/>
                       </a:endParaRPr>
                     </a:p>
                   </a:txBody>
-                  <a:tcPr marL="81331" marR="81331" marT="0" marB="0" anchor="b"/>
+                  <a:tcPr marL="81331" marR="81331" marT="0" marB="0" anchor="ctr"/>
                 </a:tc>
                 <a:extLst>
                   <a:ext uri="{0D108BD9-81ED-4DB2-BD59-A6C34878D82A}">
@@ -10593,57 +10631,77 @@
                     <a:bodyPr/>
                     <a:lstStyle/>
                     <a:p>
-                      <a:pPr>
+                      <a:pPr algn="ctr">
                         <a:lnSpc>
                           <a:spcPct val="107000"/>
                         </a:lnSpc>
                       </a:pPr>
-                      <a:endParaRPr lang="en-AU" sz="1000">
+                      <a:r>
+                        <a:rPr lang="en-AU" sz="1000" dirty="0">
+                          <a:effectLst/>
+                          <a:latin typeface="Calibri" panose="020F0502020204030204" pitchFamily="34" charset="0"/>
+                          <a:cs typeface="Times New Roman" panose="02020603050405020304" pitchFamily="18" charset="0"/>
+                        </a:rPr>
+                        <a:t>Team Charter</a:t>
+                      </a:r>
+                    </a:p>
+                  </a:txBody>
+                  <a:tcPr marL="81331" marR="81331" marT="0" marB="0" anchor="ctr"/>
+                </a:tc>
+                <a:tc>
+                  <a:txBody>
+                    <a:bodyPr/>
+                    <a:lstStyle/>
+                    <a:p>
+                      <a:pPr algn="ctr">
+                        <a:lnSpc>
+                          <a:spcPct val="107000"/>
+                        </a:lnSpc>
+                      </a:pPr>
+                      <a:r>
+                        <a:rPr lang="en-US" sz="1000" dirty="0">
+                          <a:effectLst/>
+                          <a:latin typeface="Calibri" panose="020F0502020204030204" pitchFamily="34" charset="0"/>
+                          <a:cs typeface="Times New Roman" panose="02020603050405020304" pitchFamily="18" charset="0"/>
+                        </a:rPr>
+                        <a:t>Successfully created </a:t>
+                      </a:r>
+                      <a:r>
+                        <a:rPr lang="en-US" sz="1000" dirty="0">
+                          <a:effectLst/>
+                          <a:latin typeface="Calibri" panose="020F0502020204030204" pitchFamily="34" charset="0"/>
+                          <a:cs typeface="Times New Roman" panose="02020603050405020304" pitchFamily="18" charset="0"/>
+                          <a:hlinkClick r:id="rId3"/>
+                        </a:rPr>
+                        <a:t>one</a:t>
+                      </a:r>
+                      <a:endParaRPr lang="en-AU" sz="1000" dirty="0">
                         <a:effectLst/>
                         <a:latin typeface="Calibri" panose="020F0502020204030204" pitchFamily="34" charset="0"/>
                         <a:cs typeface="Times New Roman" panose="02020603050405020304" pitchFamily="18" charset="0"/>
                       </a:endParaRPr>
                     </a:p>
                   </a:txBody>
-                  <a:tcPr marL="81331" marR="81331" marT="0" marB="0" anchor="b"/>
+                  <a:tcPr marL="81331" marR="81331" marT="0" marB="0" anchor="ctr"/>
                 </a:tc>
                 <a:tc>
                   <a:txBody>
                     <a:bodyPr/>
                     <a:lstStyle/>
                     <a:p>
-                      <a:pPr>
+                      <a:pPr algn="ctr">
                         <a:lnSpc>
                           <a:spcPct val="107000"/>
                         </a:lnSpc>
                       </a:pPr>
-                      <a:endParaRPr lang="en-AU" sz="1000">
+                      <a:endParaRPr lang="en-AU" sz="1000" dirty="0">
                         <a:effectLst/>
                         <a:latin typeface="Calibri" panose="020F0502020204030204" pitchFamily="34" charset="0"/>
                         <a:cs typeface="Times New Roman" panose="02020603050405020304" pitchFamily="18" charset="0"/>
                       </a:endParaRPr>
                     </a:p>
                   </a:txBody>
-                  <a:tcPr marL="81331" marR="81331" marT="0" marB="0" anchor="b"/>
-                </a:tc>
-                <a:tc>
-                  <a:txBody>
-                    <a:bodyPr/>
-                    <a:lstStyle/>
-                    <a:p>
-                      <a:pPr>
-                        <a:lnSpc>
-                          <a:spcPct val="107000"/>
-                        </a:lnSpc>
-                      </a:pPr>
-                      <a:endParaRPr lang="en-AU" sz="1000">
-                        <a:effectLst/>
-                        <a:latin typeface="Calibri" panose="020F0502020204030204" pitchFamily="34" charset="0"/>
-                        <a:cs typeface="Times New Roman" panose="02020603050405020304" pitchFamily="18" charset="0"/>
-                      </a:endParaRPr>
-                    </a:p>
-                  </a:txBody>
-                  <a:tcPr marL="81331" marR="81331" marT="0" marB="0" anchor="b"/>
+                  <a:tcPr marL="81331" marR="81331" marT="0" marB="0" anchor="ctr"/>
                 </a:tc>
                 <a:extLst>
                   <a:ext uri="{0D108BD9-81ED-4DB2-BD59-A6C34878D82A}">
@@ -10657,45 +10715,51 @@
                     <a:bodyPr/>
                     <a:lstStyle/>
                     <a:p>
-                      <a:pPr>
+                      <a:pPr algn="ctr">
                         <a:lnSpc>
                           <a:spcPct val="107000"/>
                         </a:lnSpc>
                       </a:pPr>
-                      <a:endParaRPr lang="en-AU" sz="1000">
-                        <a:effectLst/>
-                        <a:latin typeface="Calibri" panose="020F0502020204030204" pitchFamily="34" charset="0"/>
-                        <a:cs typeface="Times New Roman" panose="02020603050405020304" pitchFamily="18" charset="0"/>
-                      </a:endParaRPr>
+                      <a:r>
+                        <a:rPr lang="en-AU" sz="1000" dirty="0">
+                          <a:effectLst/>
+                          <a:latin typeface="Calibri" panose="020F0502020204030204" pitchFamily="34" charset="0"/>
+                          <a:cs typeface="Times New Roman" panose="02020603050405020304" pitchFamily="18" charset="0"/>
+                        </a:rPr>
+                        <a:t>Performance Objective</a:t>
+                      </a:r>
                     </a:p>
                   </a:txBody>
-                  <a:tcPr marL="81331" marR="81331" marT="0" marB="0" anchor="b"/>
+                  <a:tcPr marL="81331" marR="81331" marT="0" marB="0" anchor="ctr"/>
                 </a:tc>
                 <a:tc>
                   <a:txBody>
                     <a:bodyPr/>
                     <a:lstStyle/>
                     <a:p>
-                      <a:pPr>
+                      <a:pPr algn="ctr">
                         <a:lnSpc>
                           <a:spcPct val="107000"/>
                         </a:lnSpc>
                       </a:pPr>
-                      <a:endParaRPr lang="en-AU" sz="1000">
-                        <a:effectLst/>
-                        <a:latin typeface="Calibri" panose="020F0502020204030204" pitchFamily="34" charset="0"/>
-                        <a:cs typeface="Times New Roman" panose="02020603050405020304" pitchFamily="18" charset="0"/>
-                      </a:endParaRPr>
+                      <a:r>
+                        <a:rPr lang="en-AU" sz="1000" dirty="0">
+                          <a:effectLst/>
+                          <a:latin typeface="Calibri" panose="020F0502020204030204" pitchFamily="34" charset="0"/>
+                          <a:cs typeface="Times New Roman" panose="02020603050405020304" pitchFamily="18" charset="0"/>
+                        </a:rPr>
+                        <a:t>Aiming for HD</a:t>
+                      </a:r>
                     </a:p>
                   </a:txBody>
-                  <a:tcPr marL="81331" marR="81331" marT="0" marB="0" anchor="b"/>
+                  <a:tcPr marL="81331" marR="81331" marT="0" marB="0" anchor="ctr"/>
                 </a:tc>
                 <a:tc>
                   <a:txBody>
                     <a:bodyPr/>
                     <a:lstStyle/>
                     <a:p>
-                      <a:pPr>
+                      <a:pPr algn="ctr">
                         <a:lnSpc>
                           <a:spcPct val="107000"/>
                         </a:lnSpc>
@@ -10707,7 +10771,7 @@
                       </a:endParaRPr>
                     </a:p>
                   </a:txBody>
-                  <a:tcPr marL="81331" marR="81331" marT="0" marB="0" anchor="b"/>
+                  <a:tcPr marL="81331" marR="81331" marT="0" marB="0" anchor="ctr"/>
                 </a:tc>
                 <a:extLst>
                   <a:ext uri="{0D108BD9-81ED-4DB2-BD59-A6C34878D82A}">
@@ -10721,45 +10785,51 @@
                     <a:bodyPr/>
                     <a:lstStyle/>
                     <a:p>
-                      <a:pPr>
+                      <a:pPr algn="ctr">
                         <a:lnSpc>
                           <a:spcPct val="107000"/>
                         </a:lnSpc>
                       </a:pPr>
-                      <a:endParaRPr lang="en-AU" sz="1000">
-                        <a:effectLst/>
-                        <a:latin typeface="Calibri" panose="020F0502020204030204" pitchFamily="34" charset="0"/>
-                        <a:cs typeface="Times New Roman" panose="02020603050405020304" pitchFamily="18" charset="0"/>
-                      </a:endParaRPr>
+                      <a:r>
+                        <a:rPr lang="en-AU" sz="1000" dirty="0">
+                          <a:effectLst/>
+                          <a:latin typeface="Calibri" panose="020F0502020204030204" pitchFamily="34" charset="0"/>
+                          <a:cs typeface="Times New Roman" panose="02020603050405020304" pitchFamily="18" charset="0"/>
+                        </a:rPr>
+                        <a:t>First Time Meeting</a:t>
+                      </a:r>
                     </a:p>
                   </a:txBody>
-                  <a:tcPr marL="81331" marR="81331" marT="0" marB="0" anchor="b"/>
+                  <a:tcPr marL="81331" marR="81331" marT="0" marB="0" anchor="ctr"/>
                 </a:tc>
                 <a:tc>
                   <a:txBody>
                     <a:bodyPr/>
                     <a:lstStyle/>
                     <a:p>
-                      <a:pPr>
+                      <a:pPr algn="ctr">
                         <a:lnSpc>
                           <a:spcPct val="107000"/>
                         </a:lnSpc>
                       </a:pPr>
-                      <a:endParaRPr lang="en-AU" sz="1000">
-                        <a:effectLst/>
-                        <a:latin typeface="Calibri" panose="020F0502020204030204" pitchFamily="34" charset="0"/>
-                        <a:cs typeface="Times New Roman" panose="02020603050405020304" pitchFamily="18" charset="0"/>
-                      </a:endParaRPr>
+                      <a:r>
+                        <a:rPr lang="en-AU" sz="1000" dirty="0">
+                          <a:effectLst/>
+                          <a:latin typeface="Calibri" panose="020F0502020204030204" pitchFamily="34" charset="0"/>
+                          <a:cs typeface="Times New Roman" panose="02020603050405020304" pitchFamily="18" charset="0"/>
+                        </a:rPr>
+                        <a:t>Getting to know each other</a:t>
+                      </a:r>
                     </a:p>
                   </a:txBody>
-                  <a:tcPr marL="81331" marR="81331" marT="0" marB="0" anchor="b"/>
+                  <a:tcPr marL="81331" marR="81331" marT="0" marB="0" anchor="ctr"/>
                 </a:tc>
                 <a:tc>
                   <a:txBody>
                     <a:bodyPr/>
                     <a:lstStyle/>
                     <a:p>
-                      <a:pPr>
+                      <a:pPr algn="ctr">
                         <a:lnSpc>
                           <a:spcPct val="107000"/>
                         </a:lnSpc>
@@ -10771,7 +10841,7 @@
                       </a:endParaRPr>
                     </a:p>
                   </a:txBody>
-                  <a:tcPr marL="81331" marR="81331" marT="0" marB="0" anchor="b"/>
+                  <a:tcPr marL="81331" marR="81331" marT="0" marB="0" anchor="ctr"/>
                 </a:tc>
                 <a:extLst>
                   <a:ext uri="{0D108BD9-81ED-4DB2-BD59-A6C34878D82A}">
@@ -10800,7 +10870,7 @@
         <p:spPr bwMode="auto">
           <a:xfrm>
             <a:off x="358775" y="820034"/>
-            <a:ext cx="4699191" cy="677108"/>
+            <a:ext cx="5216335" cy="677108"/>
           </a:xfrm>
           <a:prstGeom prst="rect">
             <a:avLst/>
@@ -10877,7 +10947,7 @@
                 <a:ea typeface="Calibri" panose="020F0502020204030204" pitchFamily="34" charset="0"/>
                 <a:cs typeface="Times New Roman" panose="02020603050405020304" pitchFamily="18" charset="0"/>
               </a:rPr>
-              <a:t>Date and time of meeting:</a:t>
+              <a:t>Date and time of meeting: 3.21 9:00am</a:t>
             </a:r>
             <a:endParaRPr kumimoji="0" lang="en-AU" altLang="en-US" sz="500" b="0" i="0" u="none" strike="noStrike" cap="none" normalizeH="0" baseline="0" dirty="0">
               <a:ln>
@@ -10919,7 +10989,127 @@
                 <a:ea typeface="Calibri" panose="020F0502020204030204" pitchFamily="34" charset="0"/>
                 <a:cs typeface="Times New Roman" panose="02020603050405020304" pitchFamily="18" charset="0"/>
               </a:rPr>
-              <a:t>Team members present:</a:t>
+              <a:t>Team members present: </a:t>
+            </a:r>
+            <a:r>
+              <a:rPr kumimoji="0" lang="en-AU" altLang="en-US" sz="1100" b="0" i="1" u="none" strike="noStrike" cap="none" normalizeH="0" baseline="0" dirty="0" err="1">
+                <a:ln>
+                  <a:noFill/>
+                </a:ln>
+                <a:solidFill>
+                  <a:schemeClr val="tx1"/>
+                </a:solidFill>
+                <a:effectLst/>
+                <a:latin typeface="Tw Cen MT" panose="020B0602020104020603" pitchFamily="34" charset="0"/>
+                <a:ea typeface="Calibri" panose="020F0502020204030204" pitchFamily="34" charset="0"/>
+                <a:cs typeface="Times New Roman" panose="02020603050405020304" pitchFamily="18" charset="0"/>
+              </a:rPr>
+              <a:t>Xuening</a:t>
+            </a:r>
+            <a:r>
+              <a:rPr kumimoji="0" lang="en-AU" altLang="en-US" sz="1100" b="0" i="1" u="none" strike="noStrike" cap="none" normalizeH="0" baseline="0" dirty="0">
+                <a:ln>
+                  <a:noFill/>
+                </a:ln>
+                <a:solidFill>
+                  <a:schemeClr val="tx1"/>
+                </a:solidFill>
+                <a:effectLst/>
+                <a:latin typeface="Tw Cen MT" panose="020B0602020104020603" pitchFamily="34" charset="0"/>
+                <a:ea typeface="Calibri" panose="020F0502020204030204" pitchFamily="34" charset="0"/>
+                <a:cs typeface="Times New Roman" panose="02020603050405020304" pitchFamily="18" charset="0"/>
+              </a:rPr>
+              <a:t> Ni, Qinlin (Alistair) Gu, </a:t>
+            </a:r>
+            <a:r>
+              <a:rPr kumimoji="0" lang="en-AU" altLang="en-US" sz="1100" b="0" i="1" u="none" strike="noStrike" cap="none" normalizeH="0" baseline="0" dirty="0" err="1">
+                <a:ln>
+                  <a:noFill/>
+                </a:ln>
+                <a:solidFill>
+                  <a:schemeClr val="tx1"/>
+                </a:solidFill>
+                <a:effectLst/>
+                <a:latin typeface="Tw Cen MT" panose="020B0602020104020603" pitchFamily="34" charset="0"/>
+                <a:ea typeface="Calibri" panose="020F0502020204030204" pitchFamily="34" charset="0"/>
+                <a:cs typeface="Times New Roman" panose="02020603050405020304" pitchFamily="18" charset="0"/>
+              </a:rPr>
+              <a:t>Sicong</a:t>
+            </a:r>
+            <a:r>
+              <a:rPr kumimoji="0" lang="en-AU" altLang="en-US" sz="1100" b="0" i="1" u="none" strike="noStrike" cap="none" normalizeH="0" baseline="0" dirty="0">
+                <a:ln>
+                  <a:noFill/>
+                </a:ln>
+                <a:solidFill>
+                  <a:schemeClr val="tx1"/>
+                </a:solidFill>
+                <a:effectLst/>
+                <a:latin typeface="Tw Cen MT" panose="020B0602020104020603" pitchFamily="34" charset="0"/>
+                <a:ea typeface="Calibri" panose="020F0502020204030204" pitchFamily="34" charset="0"/>
+                <a:cs typeface="Times New Roman" panose="02020603050405020304" pitchFamily="18" charset="0"/>
+              </a:rPr>
+              <a:t> Liu, </a:t>
+            </a:r>
+            <a:r>
+              <a:rPr kumimoji="0" lang="en-AU" altLang="en-US" sz="1100" b="0" i="1" u="none" strike="noStrike" cap="none" normalizeH="0" baseline="0" dirty="0" err="1">
+                <a:ln>
+                  <a:noFill/>
+                </a:ln>
+                <a:solidFill>
+                  <a:schemeClr val="tx1"/>
+                </a:solidFill>
+                <a:effectLst/>
+                <a:latin typeface="Tw Cen MT" panose="020B0602020104020603" pitchFamily="34" charset="0"/>
+                <a:ea typeface="Calibri" panose="020F0502020204030204" pitchFamily="34" charset="0"/>
+                <a:cs typeface="Times New Roman" panose="02020603050405020304" pitchFamily="18" charset="0"/>
+              </a:rPr>
+              <a:t>Yuye</a:t>
+            </a:r>
+            <a:r>
+              <a:rPr kumimoji="0" lang="en-AU" altLang="en-US" sz="1100" b="0" i="1" u="none" strike="noStrike" cap="none" normalizeH="0" baseline="0" dirty="0">
+                <a:ln>
+                  <a:noFill/>
+                </a:ln>
+                <a:solidFill>
+                  <a:schemeClr val="tx1"/>
+                </a:solidFill>
+                <a:effectLst/>
+                <a:latin typeface="Tw Cen MT" panose="020B0602020104020603" pitchFamily="34" charset="0"/>
+                <a:ea typeface="Calibri" panose="020F0502020204030204" pitchFamily="34" charset="0"/>
+                <a:cs typeface="Times New Roman" panose="02020603050405020304" pitchFamily="18" charset="0"/>
+              </a:rPr>
+              <a:t>(</a:t>
+            </a:r>
+            <a:r>
+              <a:rPr kumimoji="0" lang="en-AU" altLang="en-US" sz="1100" b="0" i="1" u="none" strike="noStrike" cap="none" normalizeH="0" baseline="0" dirty="0" err="1">
+                <a:ln>
+                  <a:noFill/>
+                </a:ln>
+                <a:solidFill>
+                  <a:schemeClr val="tx1"/>
+                </a:solidFill>
+                <a:effectLst/>
+                <a:latin typeface="Tw Cen MT" panose="020B0602020104020603" pitchFamily="34" charset="0"/>
+                <a:ea typeface="Calibri" panose="020F0502020204030204" pitchFamily="34" charset="0"/>
+                <a:cs typeface="Times New Roman" panose="02020603050405020304" pitchFamily="18" charset="0"/>
+              </a:rPr>
+              <a:t>Giri</a:t>
+            </a:r>
+            <a:r>
+              <a:rPr kumimoji="0" lang="en-AU" altLang="en-US" sz="1100" b="0" i="1" u="none" strike="noStrike" cap="none" normalizeH="0" baseline="0" dirty="0">
+                <a:ln>
+                  <a:noFill/>
+                </a:ln>
+                <a:solidFill>
+                  <a:schemeClr val="tx1"/>
+                </a:solidFill>
+                <a:effectLst/>
+                <a:latin typeface="Tw Cen MT" panose="020B0602020104020603" pitchFamily="34" charset="0"/>
+                <a:ea typeface="Calibri" panose="020F0502020204030204" pitchFamily="34" charset="0"/>
+                <a:cs typeface="Times New Roman" panose="02020603050405020304" pitchFamily="18" charset="0"/>
+              </a:rPr>
+              <a:t>) Zhou</a:t>
             </a:r>
           </a:p>
           <a:p>
@@ -11027,7 +11217,7 @@
                 <a:ea typeface="Calibri" panose="020F0502020204030204" pitchFamily="34" charset="0"/>
                 <a:cs typeface="Times New Roman" panose="02020603050405020304" pitchFamily="18" charset="0"/>
               </a:rPr>
-              <a:t>Next meeting date and time:</a:t>
+              <a:t>Next meeting date and time: 3.28 9:00am</a:t>
             </a:r>
           </a:p>
           <a:p>
@@ -11037,7 +11227,7 @@
                 <a:latin typeface="Tw Cen MT" panose="020B0602020104020603" pitchFamily="34" charset="0"/>
                 <a:cs typeface="Times New Roman" panose="02020603050405020304" pitchFamily="18" charset="0"/>
               </a:rPr>
-              <a:t>Group member responsible for finalising/submitting minutes:</a:t>
+              <a:t>Group member responsible for finalising/submitting minutes: Qinlin Gu</a:t>
             </a:r>
           </a:p>
           <a:p>
